--- a/lecture-slides/2020-02-18-oop.pptx
+++ b/lecture-slides/2020-02-18-oop.pptx
@@ -5372,7 +5372,7 @@
           <a:graphicData uri="http://schemas.openxmlformats.org/presentationml/2006/ole">
             <mc:AlternateContent xmlns:mc="http://schemas.openxmlformats.org/markup-compatibility/2006">
               <mc:Choice xmlns:v="urn:schemas-microsoft-com:vml" Requires="v">
-                <p:oleObj spid="_x0000_s2054" name="Worksheet" r:id="rId4" imgW="4775200" imgH="3390900" progId="Excel.Sheet.8">
+                <p:oleObj spid="_x0000_s2055" name="Worksheet" r:id="rId4" imgW="4775200" imgH="3390900" progId="Excel.Sheet.8">
                   <p:embed/>
                 </p:oleObj>
               </mc:Choice>
